--- a/llm-rag-training.pptx
+++ b/llm-rag-training.pptx
@@ -5,7 +5,7 @@
     <p:sldMasterId id="2147483672" r:id="rId1"/>
   </p:sldMasterIdLst>
   <p:notesMasterIdLst>
-    <p:notesMasterId r:id="rId13"/>
+    <p:notesMasterId r:id="rId14"/>
   </p:notesMasterIdLst>
   <p:sldIdLst>
     <p:sldId id="256" r:id="rId2"/>
@@ -19,6 +19,7 @@
     <p:sldId id="262" r:id="rId10"/>
     <p:sldId id="263" r:id="rId11"/>
     <p:sldId id="264" r:id="rId12"/>
+    <p:sldId id="267" r:id="rId13"/>
   </p:sldIdLst>
   <p:sldSz cx="6858000" cy="9144000" type="letter"/>
   <p:notesSz cx="6858000" cy="9144000"/>
@@ -4096,6 +4097,184 @@
     <p:extLst>
       <p:ext uri="{BB962C8B-B14F-4D97-AF65-F5344CB8AC3E}">
         <p14:creationId xmlns:p14="http://schemas.microsoft.com/office/powerpoint/2010/main" val="182458218"/>
+      </p:ext>
+    </p:extLst>
+  </p:cSld>
+  <p:clrMapOvr>
+    <a:masterClrMapping/>
+  </p:clrMapOvr>
+</p:sld>
+</file>
+
+<file path=ppt/slides/slide12.xml><?xml version="1.0" encoding="utf-8"?>
+<p:sld xmlns:a="http://schemas.openxmlformats.org/drawingml/2006/main" xmlns:r="http://schemas.openxmlformats.org/officeDocument/2006/relationships" xmlns:p="http://schemas.openxmlformats.org/presentationml/2006/main">
+  <p:cSld>
+    <p:spTree>
+      <p:nvGrpSpPr>
+        <p:cNvPr id="1" name="">
+          <a:extLst>
+            <a:ext uri="{FF2B5EF4-FFF2-40B4-BE49-F238E27FC236}">
+              <a16:creationId xmlns:a16="http://schemas.microsoft.com/office/drawing/2014/main" id="{E9D9A89C-2F9B-BFE8-3BF7-2BC9BF769083}"/>
+            </a:ext>
+          </a:extLst>
+        </p:cNvPr>
+        <p:cNvGrpSpPr/>
+        <p:nvPr/>
+      </p:nvGrpSpPr>
+      <p:grpSpPr>
+        <a:xfrm>
+          <a:off x="0" y="0"/>
+          <a:ext cx="0" cy="0"/>
+          <a:chOff x="0" y="0"/>
+          <a:chExt cx="0" cy="0"/>
+        </a:xfrm>
+      </p:grpSpPr>
+      <p:sp>
+        <p:nvSpPr>
+          <p:cNvPr id="48" name="Title 47">
+            <a:extLst>
+              <a:ext uri="{FF2B5EF4-FFF2-40B4-BE49-F238E27FC236}">
+                <a16:creationId xmlns:a16="http://schemas.microsoft.com/office/drawing/2014/main" id="{11CAF9A7-0F62-1188-74E1-963A1EA91FC7}"/>
+              </a:ext>
+            </a:extLst>
+          </p:cNvPr>
+          <p:cNvSpPr>
+            <a:spLocks noGrp="1"/>
+          </p:cNvSpPr>
+          <p:nvPr>
+            <p:ph type="title"/>
+          </p:nvPr>
+        </p:nvSpPr>
+        <p:spPr/>
+        <p:txBody>
+          <a:bodyPr>
+            <a:normAutofit fontScale="90000"/>
+          </a:bodyPr>
+          <a:lstStyle/>
+          <a:p>
+            <a:r>
+              <a:rPr lang="en-US" dirty="0"/>
+              <a:t>Next Steps</a:t>
+            </a:r>
+          </a:p>
+        </p:txBody>
+      </p:sp>
+      <p:sp>
+        <p:nvSpPr>
+          <p:cNvPr id="43" name="Slide Number Placeholder 42">
+            <a:extLst>
+              <a:ext uri="{FF2B5EF4-FFF2-40B4-BE49-F238E27FC236}">
+                <a16:creationId xmlns:a16="http://schemas.microsoft.com/office/drawing/2014/main" id="{1D26501B-3BA1-D1C8-0DBC-0EAD1C40EA51}"/>
+              </a:ext>
+            </a:extLst>
+          </p:cNvPr>
+          <p:cNvSpPr>
+            <a:spLocks noGrp="1"/>
+          </p:cNvSpPr>
+          <p:nvPr>
+            <p:ph type="sldNum" sz="quarter" idx="12"/>
+          </p:nvPr>
+        </p:nvSpPr>
+        <p:spPr/>
+        <p:txBody>
+          <a:bodyPr/>
+          <a:lstStyle/>
+          <a:p>
+            <a:fld id="{B52BE1B2-C80A-4E30-B0B7-9476C5A58E1A}" type="slidenum">
+              <a:rPr lang="en-US" smtClean="0"/>
+              <a:t>12</a:t>
+            </a:fld>
+            <a:endParaRPr lang="en-US" dirty="0"/>
+          </a:p>
+        </p:txBody>
+      </p:sp>
+      <p:sp>
+        <p:nvSpPr>
+          <p:cNvPr id="2" name="TextBox 1">
+            <a:extLst>
+              <a:ext uri="{FF2B5EF4-FFF2-40B4-BE49-F238E27FC236}">
+                <a16:creationId xmlns:a16="http://schemas.microsoft.com/office/drawing/2014/main" id="{2292AFEA-0779-68D2-A151-E42DABD6E7B6}"/>
+              </a:ext>
+            </a:extLst>
+          </p:cNvPr>
+          <p:cNvSpPr txBox="1"/>
+          <p:nvPr/>
+        </p:nvSpPr>
+        <p:spPr>
+          <a:xfrm>
+            <a:off x="257175" y="1065657"/>
+            <a:ext cx="6419849" cy="1569660"/>
+          </a:xfrm>
+          <a:prstGeom prst="rect">
+            <a:avLst/>
+          </a:prstGeom>
+          <a:noFill/>
+        </p:spPr>
+        <p:txBody>
+          <a:bodyPr wrap="square" rtlCol="0">
+            <a:spAutoFit/>
+          </a:bodyPr>
+          <a:lstStyle/>
+          <a:p>
+            <a:pPr marL="342900" indent="-342900">
+              <a:buAutoNum type="arabicPeriod"/>
+            </a:pPr>
+            <a:r>
+              <a:rPr lang="en-US" sz="1600" dirty="0"/>
+              <a:t>Lit Survey for LCEL</a:t>
+            </a:r>
+          </a:p>
+          <a:p>
+            <a:pPr marL="342900" indent="-342900">
+              <a:buAutoNum type="arabicPeriod"/>
+            </a:pPr>
+            <a:r>
+              <a:rPr lang="en-US" sz="1600" dirty="0"/>
+              <a:t>LCEL Architecture</a:t>
+            </a:r>
+          </a:p>
+          <a:p>
+            <a:pPr marL="342900" indent="-342900">
+              <a:buAutoNum type="arabicPeriod"/>
+            </a:pPr>
+            <a:r>
+              <a:rPr lang="en-US" sz="1600" dirty="0"/>
+              <a:t>Output parsers</a:t>
+            </a:r>
+          </a:p>
+          <a:p>
+            <a:pPr marL="342900" indent="-342900">
+              <a:buAutoNum type="arabicPeriod"/>
+            </a:pPr>
+            <a:r>
+              <a:rPr lang="en-US" sz="1600" dirty="0"/>
+              <a:t>Use Pine cone</a:t>
+            </a:r>
+          </a:p>
+          <a:p>
+            <a:pPr marL="342900" indent="-342900">
+              <a:buAutoNum type="arabicPeriod"/>
+            </a:pPr>
+            <a:r>
+              <a:rPr lang="en-US" sz="1600" dirty="0"/>
+              <a:t>Agents</a:t>
+            </a:r>
+          </a:p>
+          <a:p>
+            <a:pPr marL="342900" indent="-342900">
+              <a:buAutoNum type="arabicPeriod"/>
+            </a:pPr>
+            <a:r>
+              <a:rPr lang="en-US" sz="1600" dirty="0"/>
+              <a:t>Data preparation</a:t>
+            </a:r>
+          </a:p>
+        </p:txBody>
+      </p:sp>
+    </p:spTree>
+    <p:extLst>
+      <p:ext uri="{BB962C8B-B14F-4D97-AF65-F5344CB8AC3E}">
+        <p14:creationId xmlns:p14="http://schemas.microsoft.com/office/powerpoint/2010/main" val="1273836804"/>
       </p:ext>
     </p:extLst>
   </p:cSld>
